--- a/Slides/8. 코드 분석 1.pptx
+++ b/Slides/8. 코드 분석 1.pptx
@@ -5,7 +5,7 @@
     <p:sldMasterId id="2147483660" r:id="rId1"/>
   </p:sldMasterIdLst>
   <p:notesMasterIdLst>
-    <p:notesMasterId r:id="rId44"/>
+    <p:notesMasterId r:id="rId45"/>
   </p:notesMasterIdLst>
   <p:sldIdLst>
     <p:sldId id="344" r:id="rId2"/>
@@ -32,24 +32,25 @@
     <p:sldId id="430" r:id="rId23"/>
     <p:sldId id="434" r:id="rId24"/>
     <p:sldId id="452" r:id="rId25"/>
-    <p:sldId id="438" r:id="rId26"/>
-    <p:sldId id="439" r:id="rId27"/>
-    <p:sldId id="440" r:id="rId28"/>
-    <p:sldId id="441" r:id="rId29"/>
-    <p:sldId id="442" r:id="rId30"/>
-    <p:sldId id="443" r:id="rId31"/>
-    <p:sldId id="446" r:id="rId32"/>
-    <p:sldId id="444" r:id="rId33"/>
-    <p:sldId id="461" r:id="rId34"/>
-    <p:sldId id="453" r:id="rId35"/>
-    <p:sldId id="456" r:id="rId36"/>
-    <p:sldId id="454" r:id="rId37"/>
-    <p:sldId id="455" r:id="rId38"/>
-    <p:sldId id="458" r:id="rId39"/>
-    <p:sldId id="457" r:id="rId40"/>
-    <p:sldId id="459" r:id="rId41"/>
-    <p:sldId id="460" r:id="rId42"/>
-    <p:sldId id="414" r:id="rId43"/>
+    <p:sldId id="466" r:id="rId26"/>
+    <p:sldId id="438" r:id="rId27"/>
+    <p:sldId id="439" r:id="rId28"/>
+    <p:sldId id="440" r:id="rId29"/>
+    <p:sldId id="441" r:id="rId30"/>
+    <p:sldId id="442" r:id="rId31"/>
+    <p:sldId id="443" r:id="rId32"/>
+    <p:sldId id="446" r:id="rId33"/>
+    <p:sldId id="444" r:id="rId34"/>
+    <p:sldId id="461" r:id="rId35"/>
+    <p:sldId id="453" r:id="rId36"/>
+    <p:sldId id="456" r:id="rId37"/>
+    <p:sldId id="454" r:id="rId38"/>
+    <p:sldId id="455" r:id="rId39"/>
+    <p:sldId id="458" r:id="rId40"/>
+    <p:sldId id="457" r:id="rId41"/>
+    <p:sldId id="459" r:id="rId42"/>
+    <p:sldId id="460" r:id="rId43"/>
+    <p:sldId id="414" r:id="rId44"/>
   </p:sldIdLst>
   <p:sldSz cx="9144000" cy="6858000" type="screen4x3"/>
   <p:notesSz cx="6858000" cy="9144000"/>
@@ -238,7 +239,7 @@
           <a:p>
             <a:fld id="{3A51E6CB-1B67-49CD-819C-CBD1F8F15839}" type="datetimeFigureOut">
               <a:rPr lang="ko-KR" altLang="en-US" smtClean="0"/>
-              <a:t>2019-10-13</a:t>
+              <a:t>2019-11-30</a:t>
             </a:fld>
             <a:endParaRPr lang="ko-KR" altLang="en-US"/>
           </a:p>
@@ -720,7 +721,7 @@
           <a:p>
             <a:fld id="{1EA80F27-E9B9-4A8E-9A59-01CCB3F43850}" type="datetime1">
               <a:rPr lang="ko-KR" altLang="en-US" smtClean="0"/>
-              <a:t>2019-10-13</a:t>
+              <a:t>2019-11-30</a:t>
             </a:fld>
             <a:endParaRPr lang="ko-KR" altLang="en-US"/>
           </a:p>
@@ -936,7 +937,7 @@
           <a:p>
             <a:fld id="{7E5363F8-22A8-407F-82B0-EFC1D1C22895}" type="datetime1">
               <a:rPr lang="ko-KR" altLang="en-US" smtClean="0"/>
-              <a:t>2019-10-13</a:t>
+              <a:t>2019-11-30</a:t>
             </a:fld>
             <a:endParaRPr lang="ko-KR" altLang="en-US"/>
           </a:p>
@@ -1116,7 +1117,7 @@
           <a:p>
             <a:fld id="{8187739B-8E74-4F06-BBD0-F6D670C1F7A1}" type="datetime1">
               <a:rPr lang="ko-KR" altLang="en-US" smtClean="0"/>
-              <a:t>2019-10-13</a:t>
+              <a:t>2019-11-30</a:t>
             </a:fld>
             <a:endParaRPr lang="ko-KR" altLang="en-US"/>
           </a:p>
@@ -1217,7 +1218,7 @@
           <a:p>
             <a:fld id="{170798F3-F6A9-4876-8D5A-30BE2843F4A2}" type="datetime1">
               <a:rPr lang="ko-KR" altLang="en-US" smtClean="0"/>
-              <a:t>2019-10-13</a:t>
+              <a:t>2019-11-30</a:t>
             </a:fld>
             <a:endParaRPr lang="ko-KR" altLang="en-US"/>
           </a:p>
@@ -1461,7 +1462,7 @@
           <a:p>
             <a:fld id="{947C39E4-F1C0-46F5-93CB-857C8C3AEB8D}" type="datetime1">
               <a:rPr lang="ko-KR" altLang="en-US" smtClean="0"/>
-              <a:t>2019-10-13</a:t>
+              <a:t>2019-11-30</a:t>
             </a:fld>
             <a:endParaRPr lang="ko-KR" altLang="en-US"/>
           </a:p>
@@ -1705,7 +1706,7 @@
           <a:p>
             <a:fld id="{7818271D-E6C7-4286-B2FD-D9AA53F1E428}" type="datetime1">
               <a:rPr lang="ko-KR" altLang="en-US" smtClean="0"/>
-              <a:t>2019-10-13</a:t>
+              <a:t>2019-11-30</a:t>
             </a:fld>
             <a:endParaRPr lang="ko-KR" altLang="en-US"/>
           </a:p>
@@ -1937,7 +1938,7 @@
           <a:p>
             <a:fld id="{8CE3C26B-F624-420D-BF9D-391E2E695B27}" type="datetime1">
               <a:rPr lang="ko-KR" altLang="en-US" smtClean="0"/>
-              <a:t>2019-10-13</a:t>
+              <a:t>2019-11-30</a:t>
             </a:fld>
             <a:endParaRPr lang="ko-KR" altLang="en-US"/>
           </a:p>
@@ -2304,7 +2305,7 @@
           <a:p>
             <a:fld id="{A1FC83CE-7AD5-4A20-9998-54C7F9F05545}" type="datetime1">
               <a:rPr lang="ko-KR" altLang="en-US" smtClean="0"/>
-              <a:t>2019-10-13</a:t>
+              <a:t>2019-11-30</a:t>
             </a:fld>
             <a:endParaRPr lang="ko-KR" altLang="en-US"/>
           </a:p>
@@ -2422,7 +2423,7 @@
           <a:p>
             <a:fld id="{3A3E22EA-EB96-4ADF-ABA9-A693E5F7BB1E}" type="datetime1">
               <a:rPr lang="ko-KR" altLang="en-US" smtClean="0"/>
-              <a:t>2019-10-13</a:t>
+              <a:t>2019-11-30</a:t>
             </a:fld>
             <a:endParaRPr lang="ko-KR" altLang="en-US"/>
           </a:p>
@@ -2517,7 +2518,7 @@
           <a:p>
             <a:fld id="{0D5BD961-86A8-440A-8C4E-52B6CA6FECED}" type="datetime1">
               <a:rPr lang="ko-KR" altLang="en-US" smtClean="0"/>
-              <a:t>2019-10-13</a:t>
+              <a:t>2019-11-30</a:t>
             </a:fld>
             <a:endParaRPr lang="ko-KR" altLang="en-US"/>
           </a:p>
@@ -2794,7 +2795,7 @@
           <a:p>
             <a:fld id="{CD151CC0-1347-483B-8708-01772054FA68}" type="datetime1">
               <a:rPr lang="ko-KR" altLang="en-US" smtClean="0"/>
-              <a:t>2019-10-13</a:t>
+              <a:t>2019-11-30</a:t>
             </a:fld>
             <a:endParaRPr lang="ko-KR" altLang="en-US"/>
           </a:p>
@@ -3051,7 +3052,7 @@
           <a:p>
             <a:fld id="{57185993-49E6-4096-BF26-930E741DA796}" type="datetime1">
               <a:rPr lang="ko-KR" altLang="en-US" smtClean="0"/>
-              <a:t>2019-10-13</a:t>
+              <a:t>2019-11-30</a:t>
             </a:fld>
             <a:endParaRPr lang="ko-KR" altLang="en-US"/>
           </a:p>
@@ -3267,7 +3268,7 @@
           <a:p>
             <a:fld id="{170798F3-F6A9-4876-8D5A-30BE2843F4A2}" type="datetime1">
               <a:rPr lang="ko-KR" altLang="en-US" smtClean="0"/>
-              <a:t>2019-10-13</a:t>
+              <a:t>2019-11-30</a:t>
             </a:fld>
             <a:endParaRPr lang="ko-KR" altLang="en-US"/>
           </a:p>
@@ -5262,6 +5263,41 @@
           <a:chExt cx="0" cy="0"/>
         </a:xfrm>
       </p:grpSpPr>
+      <p:pic>
+        <p:nvPicPr>
+          <p:cNvPr id="9" name="내용 개체 틀 8">
+            <a:extLst>
+              <a:ext uri="{FF2B5EF4-FFF2-40B4-BE49-F238E27FC236}">
+                <a16:creationId xmlns:a16="http://schemas.microsoft.com/office/drawing/2014/main" id="{5898DDBF-BECA-4CD9-B912-9F93D3A39BA6}"/>
+              </a:ext>
+            </a:extLst>
+          </p:cNvPr>
+          <p:cNvPicPr>
+            <a:picLocks noGrp="1" noChangeAspect="1"/>
+          </p:cNvPicPr>
+          <p:nvPr>
+            <p:ph sz="quarter" idx="13"/>
+          </p:nvPr>
+        </p:nvPicPr>
+        <p:blipFill>
+          <a:blip r:embed="rId2">
+            <a:extLst>
+              <a:ext uri="{28A0092B-C50C-407E-A947-70E740481C1C}">
+                <a14:useLocalDpi xmlns:a14="http://schemas.microsoft.com/office/drawing/2010/main" val="0"/>
+              </a:ext>
+            </a:extLst>
+          </a:blip>
+          <a:stretch>
+            <a:fillRect/>
+          </a:stretch>
+        </p:blipFill>
+        <p:spPr>
+          <a:xfrm>
+            <a:off x="95250" y="2418313"/>
+            <a:ext cx="9144000" cy="1868974"/>
+          </a:xfrm>
+        </p:spPr>
+      </p:pic>
       <p:sp>
         <p:nvSpPr>
           <p:cNvPr id="4" name="슬라이드 번호 개체 틀 3">
@@ -5291,38 +5327,6 @@
           </a:p>
         </p:txBody>
       </p:sp>
-      <p:pic>
-        <p:nvPicPr>
-          <p:cNvPr id="7" name="내용 개체 틀 6">
-            <a:extLst>
-              <a:ext uri="{FF2B5EF4-FFF2-40B4-BE49-F238E27FC236}">
-                <a16:creationId xmlns:a16="http://schemas.microsoft.com/office/drawing/2014/main" id="{3B700C21-DF68-481F-BE87-3C3DF51BF43D}"/>
-              </a:ext>
-            </a:extLst>
-          </p:cNvPr>
-          <p:cNvPicPr>
-            <a:picLocks noGrp="1" noChangeAspect="1"/>
-          </p:cNvPicPr>
-          <p:nvPr>
-            <p:ph sz="quarter" idx="13"/>
-          </p:nvPr>
-        </p:nvPicPr>
-        <p:blipFill>
-          <a:blip r:embed="rId2"/>
-          <a:stretch>
-            <a:fillRect/>
-          </a:stretch>
-        </p:blipFill>
-        <p:spPr>
-          <a:xfrm>
-            <a:off x="0" y="861424"/>
-            <a:ext cx="9144000" cy="4630327"/>
-          </a:xfrm>
-          <a:prstGeom prst="rect">
-            <a:avLst/>
-          </a:prstGeom>
-        </p:spPr>
-      </p:pic>
       <p:sp>
         <p:nvSpPr>
           <p:cNvPr id="8" name="직사각형 7">
@@ -5337,7 +5341,7 @@
         </p:nvSpPr>
         <p:spPr>
           <a:xfrm>
-            <a:off x="7972425" y="3352800"/>
+            <a:off x="7807325" y="2646441"/>
             <a:ext cx="1076325" cy="333375"/>
           </a:xfrm>
           <a:prstGeom prst="rect">
@@ -8608,10 +8612,10 @@
       </p:grpSpPr>
       <p:sp>
         <p:nvSpPr>
-          <p:cNvPr id="3" name="제목 2">
+          <p:cNvPr id="4" name="슬라이드 번호 개체 틀 3">
             <a:extLst>
               <a:ext uri="{FF2B5EF4-FFF2-40B4-BE49-F238E27FC236}">
-                <a16:creationId xmlns:a16="http://schemas.microsoft.com/office/drawing/2014/main" id="{AD9B6BF0-32DF-4593-8132-A9B6809E1FC9}"/>
+                <a16:creationId xmlns:a16="http://schemas.microsoft.com/office/drawing/2014/main" id="{7D2EB9D7-9DFE-4F75-B1BC-98E94A9FD671}"/>
               </a:ext>
             </a:extLst>
           </p:cNvPr>
@@ -8619,7 +8623,7 @@
             <a:spLocks noGrp="1"/>
           </p:cNvSpPr>
           <p:nvPr>
-            <p:ph type="title"/>
+            <p:ph type="sldNum" sz="quarter" idx="12"/>
           </p:nvPr>
         </p:nvSpPr>
         <p:spPr/>
@@ -8627,52 +8631,86 @@
           <a:bodyPr/>
           <a:lstStyle/>
           <a:p>
-            <a:r>
-              <a:rPr lang="ko-KR" altLang="en-US" dirty="0"/>
-              <a:t>빌드 및 수행 확인</a:t>
-            </a:r>
-            <a:r>
-              <a:rPr lang="en-US" altLang="ko-KR" dirty="0"/>
-              <a:t> (15</a:t>
-            </a:r>
-            <a:r>
-              <a:rPr lang="ko-KR" altLang="en-US" dirty="0"/>
-              <a:t>분 이상 소요됨</a:t>
-            </a:r>
-            <a:r>
-              <a:rPr lang="en-US" altLang="ko-KR" dirty="0"/>
-              <a:t>)</a:t>
-            </a:r>
+            <a:fld id="{64F0D409-D3F6-4EEC-8C77-1F5E89989FFB}" type="slidenum">
+              <a:rPr lang="ko-KR" altLang="en-US" smtClean="0"/>
+              <a:t>25</a:t>
+            </a:fld>
+            <a:endParaRPr lang="ko-KR" altLang="en-US"/>
+          </a:p>
+        </p:txBody>
+      </p:sp>
+      <p:sp>
+        <p:nvSpPr>
+          <p:cNvPr id="5" name="TextBox 4">
+            <a:extLst>
+              <a:ext uri="{FF2B5EF4-FFF2-40B4-BE49-F238E27FC236}">
+                <a16:creationId xmlns:a16="http://schemas.microsoft.com/office/drawing/2014/main" id="{3B2C9A7C-9C9E-45FD-B1C4-719B8154B3EB}"/>
+              </a:ext>
+            </a:extLst>
+          </p:cNvPr>
+          <p:cNvSpPr txBox="1"/>
+          <p:nvPr/>
+        </p:nvSpPr>
+        <p:spPr>
+          <a:xfrm>
+            <a:off x="450850" y="143110"/>
+            <a:ext cx="8242300" cy="984885"/>
+          </a:xfrm>
+          <a:prstGeom prst="rect">
+            <a:avLst/>
+          </a:prstGeom>
+          <a:noFill/>
+        </p:spPr>
+        <p:txBody>
+          <a:bodyPr wrap="square" rtlCol="0">
+            <a:spAutoFit/>
+          </a:bodyPr>
+          <a:lstStyle/>
+          <a:p>
+            <a:r>
+              <a:rPr lang="ko-KR" altLang="en-US" sz="4000" dirty="0"/>
+              <a:t>여기서 잠깐</a:t>
+            </a:r>
+            <a:r>
+              <a:rPr lang="en-US" altLang="ko-KR" sz="4000" dirty="0"/>
+              <a:t>!!</a:t>
+            </a:r>
+          </a:p>
+          <a:p>
             <a:endParaRPr lang="ko-KR" altLang="en-US" dirty="0"/>
           </a:p>
         </p:txBody>
       </p:sp>
       <p:pic>
         <p:nvPicPr>
-          <p:cNvPr id="4" name="내용 개체 틀 3">
+          <p:cNvPr id="6" name="그림 5">
             <a:extLst>
               <a:ext uri="{FF2B5EF4-FFF2-40B4-BE49-F238E27FC236}">
-                <a16:creationId xmlns:a16="http://schemas.microsoft.com/office/drawing/2014/main" id="{EC29B0D9-4312-447E-A1D9-824D80321EFD}"/>
+                <a16:creationId xmlns:a16="http://schemas.microsoft.com/office/drawing/2014/main" id="{64DF8B9F-CBF7-4C0B-9DE8-FE16D5D459AF}"/>
               </a:ext>
             </a:extLst>
           </p:cNvPr>
           <p:cNvPicPr>
-            <a:picLocks noGrp="1" noChangeAspect="1"/>
+            <a:picLocks noChangeAspect="1"/>
           </p:cNvPicPr>
-          <p:nvPr>
-            <p:ph idx="1"/>
-          </p:nvPr>
+          <p:nvPr/>
         </p:nvPicPr>
         <p:blipFill>
-          <a:blip r:embed="rId2"/>
+          <a:blip r:embed="rId2">
+            <a:extLst>
+              <a:ext uri="{28A0092B-C50C-407E-A947-70E740481C1C}">
+                <a14:useLocalDpi xmlns:a14="http://schemas.microsoft.com/office/drawing/2010/main" val="0"/>
+              </a:ext>
+            </a:extLst>
+          </a:blip>
           <a:stretch>
             <a:fillRect/>
           </a:stretch>
         </p:blipFill>
         <p:spPr>
           <a:xfrm>
-            <a:off x="395288" y="1074774"/>
-            <a:ext cx="8353425" cy="5237090"/>
+            <a:off x="0" y="2074119"/>
+            <a:ext cx="9144000" cy="2709761"/>
           </a:xfrm>
           <a:prstGeom prst="rect">
             <a:avLst/>
@@ -8681,37 +8719,137 @@
       </p:pic>
       <p:sp>
         <p:nvSpPr>
-          <p:cNvPr id="2" name="슬라이드 번호 개체 틀 1">
+          <p:cNvPr id="7" name="TextBox 6">
             <a:extLst>
               <a:ext uri="{FF2B5EF4-FFF2-40B4-BE49-F238E27FC236}">
-                <a16:creationId xmlns:a16="http://schemas.microsoft.com/office/drawing/2014/main" id="{31A8F844-0831-4805-ABF0-A5802C7F4808}"/>
+                <a16:creationId xmlns:a16="http://schemas.microsoft.com/office/drawing/2014/main" id="{44F5D020-A10A-4D78-9813-A6D84729E355}"/>
               </a:ext>
             </a:extLst>
           </p:cNvPr>
-          <p:cNvSpPr>
-            <a:spLocks noGrp="1"/>
-          </p:cNvSpPr>
-          <p:nvPr>
-            <p:ph type="sldNum" sz="quarter" idx="12"/>
-          </p:nvPr>
-        </p:nvSpPr>
-        <p:spPr/>
-        <p:txBody>
-          <a:bodyPr/>
-          <a:lstStyle/>
-          <a:p>
-            <a:fld id="{64F0D409-D3F6-4EEC-8C77-1F5E89989FFB}" type="slidenum">
-              <a:rPr lang="ko-KR" altLang="en-US" smtClean="0"/>
-              <a:t>25</a:t>
-            </a:fld>
-            <a:endParaRPr lang="ko-KR" altLang="en-US"/>
+          <p:cNvSpPr txBox="1"/>
+          <p:nvPr/>
+        </p:nvSpPr>
+        <p:spPr>
+          <a:xfrm>
+            <a:off x="450850" y="1127995"/>
+            <a:ext cx="8242300" cy="646331"/>
+          </a:xfrm>
+          <a:prstGeom prst="rect">
+            <a:avLst/>
+          </a:prstGeom>
+          <a:noFill/>
+        </p:spPr>
+        <p:txBody>
+          <a:bodyPr wrap="square" rtlCol="0">
+            <a:spAutoFit/>
+          </a:bodyPr>
+          <a:lstStyle/>
+          <a:p>
+            <a:pPr marL="285750" indent="-285750">
+              <a:buFont typeface="Arial" panose="020B0604020202020204" pitchFamily="34" charset="0"/>
+              <a:buChar char="•"/>
+            </a:pPr>
+            <a:r>
+              <a:rPr lang="en-US" altLang="ko-KR" dirty="0" err="1"/>
+              <a:t>Caculation</a:t>
+            </a:r>
+            <a:r>
+              <a:rPr lang="en-US" altLang="ko-KR" dirty="0"/>
+              <a:t> </a:t>
+            </a:r>
+            <a:r>
+              <a:rPr lang="ko-KR" altLang="en-US" dirty="0"/>
+              <a:t>을 빌드하려고 </a:t>
+            </a:r>
+            <a:r>
+              <a:rPr lang="ko-KR" altLang="en-US" dirty="0" err="1"/>
+              <a:t>할때</a:t>
+            </a:r>
+            <a:r>
+              <a:rPr lang="ko-KR" altLang="en-US" dirty="0"/>
+              <a:t> 메모리 부족 현상이 나타날 수 있음</a:t>
+            </a:r>
+            <a:r>
+              <a:rPr lang="en-US" altLang="ko-KR" dirty="0"/>
+              <a:t>!</a:t>
+            </a:r>
+          </a:p>
+          <a:p>
+            <a:endParaRPr lang="ko-KR" altLang="en-US" dirty="0"/>
+          </a:p>
+        </p:txBody>
+      </p:sp>
+      <p:sp>
+        <p:nvSpPr>
+          <p:cNvPr id="8" name="TextBox 7">
+            <a:extLst>
+              <a:ext uri="{FF2B5EF4-FFF2-40B4-BE49-F238E27FC236}">
+                <a16:creationId xmlns:a16="http://schemas.microsoft.com/office/drawing/2014/main" id="{1EF547E6-94D8-4021-B5F5-A73AA23D3383}"/>
+              </a:ext>
+            </a:extLst>
+          </p:cNvPr>
+          <p:cNvSpPr txBox="1"/>
+          <p:nvPr/>
+        </p:nvSpPr>
+        <p:spPr>
+          <a:xfrm>
+            <a:off x="450850" y="4876800"/>
+            <a:ext cx="7956550" cy="646331"/>
+          </a:xfrm>
+          <a:prstGeom prst="rect">
+            <a:avLst/>
+          </a:prstGeom>
+          <a:noFill/>
+        </p:spPr>
+        <p:txBody>
+          <a:bodyPr wrap="square" rtlCol="0">
+            <a:spAutoFit/>
+          </a:bodyPr>
+          <a:lstStyle/>
+          <a:p>
+            <a:pPr marL="285750" indent="-285750">
+              <a:buFont typeface="Arial" panose="020B0604020202020204" pitchFamily="34" charset="0"/>
+              <a:buChar char="•"/>
+            </a:pPr>
+            <a:r>
+              <a:rPr lang="ko-KR" altLang="en-US" dirty="0"/>
+              <a:t>교수님께 여쭈어 보거나</a:t>
+            </a:r>
+            <a:r>
+              <a:rPr lang="en-US" altLang="ko-KR" dirty="0"/>
+              <a:t>, </a:t>
+            </a:r>
+            <a:r>
+              <a:rPr lang="ko-KR" altLang="en-US" dirty="0" err="1"/>
+              <a:t>자바룸</a:t>
+            </a:r>
+            <a:r>
+              <a:rPr lang="ko-KR" altLang="en-US" dirty="0"/>
+              <a:t> 가서 하자</a:t>
+            </a:r>
+            <a:r>
+              <a:rPr lang="en-US" altLang="ko-KR" dirty="0"/>
+              <a:t>,,,,,(</a:t>
+            </a:r>
+            <a:r>
+              <a:rPr lang="ko-KR" altLang="en-US" dirty="0"/>
+              <a:t>어쩔 수 없는 문제</a:t>
+            </a:r>
+            <a:r>
+              <a:rPr lang="en-US" altLang="ko-KR" dirty="0"/>
+              <a:t>)</a:t>
+            </a:r>
+            <a:endParaRPr lang="ko-KR" altLang="en-US" dirty="0"/>
+          </a:p>
+          <a:p>
+            <a:endParaRPr lang="ko-KR" altLang="en-US" dirty="0"/>
           </a:p>
         </p:txBody>
       </p:sp>
     </p:spTree>
     <p:extLst>
       <p:ext uri="{BB962C8B-B14F-4D97-AF65-F5344CB8AC3E}">
-        <p14:creationId xmlns:p14="http://schemas.microsoft.com/office/powerpoint/2010/main" val="2778736317"/>
+        <p14:creationId xmlns:p14="http://schemas.microsoft.com/office/powerpoint/2010/main" val="4180838332"/>
       </p:ext>
     </p:extLst>
   </p:cSld>
@@ -8740,10 +8878,10 @@
       </p:grpSpPr>
       <p:sp>
         <p:nvSpPr>
-          <p:cNvPr id="6" name="제목 5">
+          <p:cNvPr id="3" name="제목 2">
             <a:extLst>
               <a:ext uri="{FF2B5EF4-FFF2-40B4-BE49-F238E27FC236}">
-                <a16:creationId xmlns:a16="http://schemas.microsoft.com/office/drawing/2014/main" id="{F3178B16-008D-4BC7-904A-BEABF5705B80}"/>
+                <a16:creationId xmlns:a16="http://schemas.microsoft.com/office/drawing/2014/main" id="{AD9B6BF0-32DF-4593-8132-A9B6809E1FC9}"/>
               </a:ext>
             </a:extLst>
           </p:cNvPr>
@@ -8760,13 +8898,22 @@
           <a:lstStyle/>
           <a:p>
             <a:r>
+              <a:rPr lang="ko-KR" altLang="en-US" dirty="0"/>
+              <a:t>빌드 및 수행 확인</a:t>
+            </a:r>
+            <a:r>
               <a:rPr lang="en-US" altLang="ko-KR" dirty="0"/>
-              <a:t>Documentation </a:t>
-            </a:r>
-            <a:r>
-              <a:rPr lang="ko-KR" altLang="en-US" dirty="0"/>
-              <a:t>확인</a:t>
-            </a:r>
+              <a:t> (15</a:t>
+            </a:r>
+            <a:r>
+              <a:rPr lang="ko-KR" altLang="en-US" dirty="0"/>
+              <a:t>분 이상 소요됨</a:t>
+            </a:r>
+            <a:r>
+              <a:rPr lang="en-US" altLang="ko-KR" dirty="0"/>
+              <a:t>)</a:t>
+            </a:r>
+            <a:endParaRPr lang="ko-KR" altLang="en-US" dirty="0"/>
           </a:p>
         </p:txBody>
       </p:sp>
@@ -8775,7 +8922,7 @@
           <p:cNvPr id="4" name="내용 개체 틀 3">
             <a:extLst>
               <a:ext uri="{FF2B5EF4-FFF2-40B4-BE49-F238E27FC236}">
-                <a16:creationId xmlns:a16="http://schemas.microsoft.com/office/drawing/2014/main" id="{6A3C3D1B-7E7D-4053-9B44-453ECDE3BB39}"/>
+                <a16:creationId xmlns:a16="http://schemas.microsoft.com/office/drawing/2014/main" id="{EC29B0D9-4312-447E-A1D9-824D80321EFD}"/>
               </a:ext>
             </a:extLst>
           </p:cNvPr>
@@ -8794,9 +8941,12 @@
         </p:blipFill>
         <p:spPr>
           <a:xfrm>
-            <a:off x="395288" y="1798540"/>
-            <a:ext cx="8353425" cy="3789558"/>
+            <a:off x="395288" y="1074774"/>
+            <a:ext cx="8353425" cy="5237090"/>
           </a:xfrm>
+          <a:prstGeom prst="rect">
+            <a:avLst/>
+          </a:prstGeom>
         </p:spPr>
       </p:pic>
       <p:sp>
@@ -8804,7 +8954,7 @@
           <p:cNvPr id="2" name="슬라이드 번호 개체 틀 1">
             <a:extLst>
               <a:ext uri="{FF2B5EF4-FFF2-40B4-BE49-F238E27FC236}">
-                <a16:creationId xmlns:a16="http://schemas.microsoft.com/office/drawing/2014/main" id="{3F4395CA-DAAB-4FE5-8275-0A36453D838A}"/>
+                <a16:creationId xmlns:a16="http://schemas.microsoft.com/office/drawing/2014/main" id="{31A8F844-0831-4805-ABF0-A5802C7F4808}"/>
               </a:ext>
             </a:extLst>
           </p:cNvPr>
@@ -8822,7 +8972,6 @@
           <a:p>
             <a:fld id="{64F0D409-D3F6-4EEC-8C77-1F5E89989FFB}" type="slidenum">
               <a:rPr lang="ko-KR" altLang="en-US" smtClean="0"/>
-              <a:pPr/>
               <a:t>26</a:t>
             </a:fld>
             <a:endParaRPr lang="ko-KR" altLang="en-US"/>
@@ -8832,7 +8981,7 @@
     </p:spTree>
     <p:extLst>
       <p:ext uri="{BB962C8B-B14F-4D97-AF65-F5344CB8AC3E}">
-        <p14:creationId xmlns:p14="http://schemas.microsoft.com/office/powerpoint/2010/main" val="3184938564"/>
+        <p14:creationId xmlns:p14="http://schemas.microsoft.com/office/powerpoint/2010/main" val="2778736317"/>
       </p:ext>
     </p:extLst>
   </p:cSld>
@@ -8861,6 +9010,127 @@
       </p:grpSpPr>
       <p:sp>
         <p:nvSpPr>
+          <p:cNvPr id="6" name="제목 5">
+            <a:extLst>
+              <a:ext uri="{FF2B5EF4-FFF2-40B4-BE49-F238E27FC236}">
+                <a16:creationId xmlns:a16="http://schemas.microsoft.com/office/drawing/2014/main" id="{F3178B16-008D-4BC7-904A-BEABF5705B80}"/>
+              </a:ext>
+            </a:extLst>
+          </p:cNvPr>
+          <p:cNvSpPr>
+            <a:spLocks noGrp="1"/>
+          </p:cNvSpPr>
+          <p:nvPr>
+            <p:ph type="title"/>
+          </p:nvPr>
+        </p:nvSpPr>
+        <p:spPr/>
+        <p:txBody>
+          <a:bodyPr/>
+          <a:lstStyle/>
+          <a:p>
+            <a:r>
+              <a:rPr lang="en-US" altLang="ko-KR" dirty="0"/>
+              <a:t>Documentation </a:t>
+            </a:r>
+            <a:r>
+              <a:rPr lang="ko-KR" altLang="en-US" dirty="0"/>
+              <a:t>확인</a:t>
+            </a:r>
+          </a:p>
+        </p:txBody>
+      </p:sp>
+      <p:pic>
+        <p:nvPicPr>
+          <p:cNvPr id="4" name="내용 개체 틀 3">
+            <a:extLst>
+              <a:ext uri="{FF2B5EF4-FFF2-40B4-BE49-F238E27FC236}">
+                <a16:creationId xmlns:a16="http://schemas.microsoft.com/office/drawing/2014/main" id="{6A3C3D1B-7E7D-4053-9B44-453ECDE3BB39}"/>
+              </a:ext>
+            </a:extLst>
+          </p:cNvPr>
+          <p:cNvPicPr>
+            <a:picLocks noGrp="1" noChangeAspect="1"/>
+          </p:cNvPicPr>
+          <p:nvPr>
+            <p:ph idx="1"/>
+          </p:nvPr>
+        </p:nvPicPr>
+        <p:blipFill>
+          <a:blip r:embed="rId2"/>
+          <a:stretch>
+            <a:fillRect/>
+          </a:stretch>
+        </p:blipFill>
+        <p:spPr>
+          <a:xfrm>
+            <a:off x="395288" y="1798540"/>
+            <a:ext cx="8353425" cy="3789558"/>
+          </a:xfrm>
+        </p:spPr>
+      </p:pic>
+      <p:sp>
+        <p:nvSpPr>
+          <p:cNvPr id="2" name="슬라이드 번호 개체 틀 1">
+            <a:extLst>
+              <a:ext uri="{FF2B5EF4-FFF2-40B4-BE49-F238E27FC236}">
+                <a16:creationId xmlns:a16="http://schemas.microsoft.com/office/drawing/2014/main" id="{3F4395CA-DAAB-4FE5-8275-0A36453D838A}"/>
+              </a:ext>
+            </a:extLst>
+          </p:cNvPr>
+          <p:cNvSpPr>
+            <a:spLocks noGrp="1"/>
+          </p:cNvSpPr>
+          <p:nvPr>
+            <p:ph type="sldNum" sz="quarter" idx="12"/>
+          </p:nvPr>
+        </p:nvSpPr>
+        <p:spPr/>
+        <p:txBody>
+          <a:bodyPr/>
+          <a:lstStyle/>
+          <a:p>
+            <a:fld id="{64F0D409-D3F6-4EEC-8C77-1F5E89989FFB}" type="slidenum">
+              <a:rPr lang="ko-KR" altLang="en-US" smtClean="0"/>
+              <a:pPr/>
+              <a:t>27</a:t>
+            </a:fld>
+            <a:endParaRPr lang="ko-KR" altLang="en-US"/>
+          </a:p>
+        </p:txBody>
+      </p:sp>
+    </p:spTree>
+    <p:extLst>
+      <p:ext uri="{BB962C8B-B14F-4D97-AF65-F5344CB8AC3E}">
+        <p14:creationId xmlns:p14="http://schemas.microsoft.com/office/powerpoint/2010/main" val="3184938564"/>
+      </p:ext>
+    </p:extLst>
+  </p:cSld>
+  <p:clrMapOvr>
+    <a:masterClrMapping/>
+  </p:clrMapOvr>
+</p:sld>
+</file>
+
+<file path=ppt/slides/slide28.xml><?xml version="1.0" encoding="utf-8"?>
+<p:sld xmlns:a="http://schemas.openxmlformats.org/drawingml/2006/main" xmlns:r="http://schemas.openxmlformats.org/officeDocument/2006/relationships" xmlns:p="http://schemas.openxmlformats.org/presentationml/2006/main">
+  <p:cSld>
+    <p:spTree>
+      <p:nvGrpSpPr>
+        <p:cNvPr id="1" name=""/>
+        <p:cNvGrpSpPr/>
+        <p:nvPr/>
+      </p:nvGrpSpPr>
+      <p:grpSpPr>
+        <a:xfrm>
+          <a:off x="0" y="0"/>
+          <a:ext cx="0" cy="0"/>
+          <a:chOff x="0" y="0"/>
+          <a:chExt cx="0" cy="0"/>
+        </a:xfrm>
+      </p:grpSpPr>
+      <p:sp>
+        <p:nvSpPr>
           <p:cNvPr id="2" name="슬라이드 번호 개체 틀 1">
             <a:extLst>
               <a:ext uri="{FF2B5EF4-FFF2-40B4-BE49-F238E27FC236}">
@@ -8882,7 +9152,7 @@
           <a:p>
             <a:fld id="{64F0D409-D3F6-4EEC-8C77-1F5E89989FFB}" type="slidenum">
               <a:rPr lang="ko-KR" altLang="en-US" smtClean="0"/>
-              <a:t>27</a:t>
+              <a:t>28</a:t>
             </a:fld>
             <a:endParaRPr lang="ko-KR" altLang="en-US"/>
           </a:p>
@@ -8985,7 +9255,7 @@
 </p:sld>
 </file>
 
-<file path=ppt/slides/slide28.xml><?xml version="1.0" encoding="utf-8"?>
+<file path=ppt/slides/slide29.xml><?xml version="1.0" encoding="utf-8"?>
 <p:sld xmlns:a="http://schemas.openxmlformats.org/drawingml/2006/main" xmlns:r="http://schemas.openxmlformats.org/officeDocument/2006/relationships" xmlns:p="http://schemas.openxmlformats.org/presentationml/2006/main">
   <p:cSld>
     <p:spTree>
@@ -9025,7 +9295,7 @@
           <a:p>
             <a:fld id="{64F0D409-D3F6-4EEC-8C77-1F5E89989FFB}" type="slidenum">
               <a:rPr lang="ko-KR" altLang="en-US" smtClean="0"/>
-              <a:t>28</a:t>
+              <a:t>29</a:t>
             </a:fld>
             <a:endParaRPr lang="ko-KR" altLang="en-US"/>
           </a:p>
@@ -9128,7 +9398,7 @@
 </p:sld>
 </file>
 
-<file path=ppt/slides/slide29.xml><?xml version="1.0" encoding="utf-8"?>
+<file path=ppt/slides/slide3.xml><?xml version="1.0" encoding="utf-8"?>
 <p:sld xmlns:a="http://schemas.openxmlformats.org/drawingml/2006/main" xmlns:r="http://schemas.openxmlformats.org/officeDocument/2006/relationships" xmlns:p="http://schemas.openxmlformats.org/presentationml/2006/main">
   <p:cSld>
     <p:spTree>
@@ -9147,6 +9417,145 @@
       </p:grpSpPr>
       <p:sp>
         <p:nvSpPr>
+          <p:cNvPr id="2" name="제목 1">
+            <a:extLst>
+              <a:ext uri="{FF2B5EF4-FFF2-40B4-BE49-F238E27FC236}">
+                <a16:creationId xmlns:a16="http://schemas.microsoft.com/office/drawing/2014/main" id="{AD8D8AB6-92BB-4029-81E9-2EA137A67530}"/>
+              </a:ext>
+            </a:extLst>
+          </p:cNvPr>
+          <p:cNvSpPr>
+            <a:spLocks noGrp="1"/>
+          </p:cNvSpPr>
+          <p:nvPr>
+            <p:ph type="title"/>
+          </p:nvPr>
+        </p:nvSpPr>
+        <p:spPr/>
+        <p:txBody>
+          <a:bodyPr/>
+          <a:lstStyle/>
+          <a:p>
+            <a:r>
+              <a:rPr lang="ko-KR" altLang="en-US" dirty="0"/>
+              <a:t>시작 전에</a:t>
+            </a:r>
+            <a:r>
+              <a:rPr lang="en-US" altLang="ko-KR" dirty="0"/>
+              <a:t>…</a:t>
+            </a:r>
+            <a:endParaRPr lang="ko-KR" altLang="en-US" dirty="0"/>
+          </a:p>
+        </p:txBody>
+      </p:sp>
+      <p:sp>
+        <p:nvSpPr>
+          <p:cNvPr id="3" name="내용 개체 틀 2">
+            <a:extLst>
+              <a:ext uri="{FF2B5EF4-FFF2-40B4-BE49-F238E27FC236}">
+                <a16:creationId xmlns:a16="http://schemas.microsoft.com/office/drawing/2014/main" id="{A0B3D2E2-6AE5-4AE8-8582-8DAF24BFD3B0}"/>
+              </a:ext>
+            </a:extLst>
+          </p:cNvPr>
+          <p:cNvSpPr>
+            <a:spLocks noGrp="1"/>
+          </p:cNvSpPr>
+          <p:nvPr>
+            <p:ph idx="1"/>
+          </p:nvPr>
+        </p:nvSpPr>
+        <p:spPr/>
+        <p:txBody>
+          <a:bodyPr/>
+          <a:lstStyle/>
+          <a:p>
+            <a:r>
+              <a:rPr lang="en-US" altLang="ko-KR" dirty="0"/>
+              <a:t>Visual Studio 2019 Community </a:t>
+            </a:r>
+            <a:r>
+              <a:rPr lang="ko-KR" altLang="en-US" dirty="0"/>
+              <a:t>설치</a:t>
+            </a:r>
+            <a:endParaRPr lang="en-US" altLang="ko-KR" dirty="0"/>
+          </a:p>
+          <a:p>
+            <a:r>
+              <a:rPr lang="ko-KR" altLang="en-US" dirty="0"/>
+              <a:t>뒤 슬라이드 참고하여 </a:t>
+            </a:r>
+            <a:r>
+              <a:rPr lang="en-US" altLang="ko-KR" dirty="0"/>
+              <a:t>Cloning, Build </a:t>
+            </a:r>
+            <a:r>
+              <a:rPr lang="ko-KR" altLang="en-US" dirty="0"/>
+              <a:t>수행</a:t>
+            </a:r>
+          </a:p>
+        </p:txBody>
+      </p:sp>
+      <p:sp>
+        <p:nvSpPr>
+          <p:cNvPr id="4" name="슬라이드 번호 개체 틀 3">
+            <a:extLst>
+              <a:ext uri="{FF2B5EF4-FFF2-40B4-BE49-F238E27FC236}">
+                <a16:creationId xmlns:a16="http://schemas.microsoft.com/office/drawing/2014/main" id="{0DE8CBC8-0C27-4FF6-8543-DA508DB4A85A}"/>
+              </a:ext>
+            </a:extLst>
+          </p:cNvPr>
+          <p:cNvSpPr>
+            <a:spLocks noGrp="1"/>
+          </p:cNvSpPr>
+          <p:nvPr>
+            <p:ph type="sldNum" sz="quarter" idx="12"/>
+          </p:nvPr>
+        </p:nvSpPr>
+        <p:spPr/>
+        <p:txBody>
+          <a:bodyPr/>
+          <a:lstStyle/>
+          <a:p>
+            <a:fld id="{64F0D409-D3F6-4EEC-8C77-1F5E89989FFB}" type="slidenum">
+              <a:rPr lang="ko-KR" altLang="en-US" smtClean="0"/>
+              <a:t>3</a:t>
+            </a:fld>
+            <a:endParaRPr lang="ko-KR" altLang="en-US"/>
+          </a:p>
+        </p:txBody>
+      </p:sp>
+    </p:spTree>
+    <p:extLst>
+      <p:ext uri="{BB962C8B-B14F-4D97-AF65-F5344CB8AC3E}">
+        <p14:creationId xmlns:p14="http://schemas.microsoft.com/office/powerpoint/2010/main" val="2945952718"/>
+      </p:ext>
+    </p:extLst>
+  </p:cSld>
+  <p:clrMapOvr>
+    <a:masterClrMapping/>
+  </p:clrMapOvr>
+</p:sld>
+</file>
+
+<file path=ppt/slides/slide30.xml><?xml version="1.0" encoding="utf-8"?>
+<p:sld xmlns:a="http://schemas.openxmlformats.org/drawingml/2006/main" xmlns:r="http://schemas.openxmlformats.org/officeDocument/2006/relationships" xmlns:p="http://schemas.openxmlformats.org/presentationml/2006/main">
+  <p:cSld>
+    <p:spTree>
+      <p:nvGrpSpPr>
+        <p:cNvPr id="1" name=""/>
+        <p:cNvGrpSpPr/>
+        <p:nvPr/>
+      </p:nvGrpSpPr>
+      <p:grpSpPr>
+        <a:xfrm>
+          <a:off x="0" y="0"/>
+          <a:ext cx="0" cy="0"/>
+          <a:chOff x="0" y="0"/>
+          <a:chExt cx="0" cy="0"/>
+        </a:xfrm>
+      </p:grpSpPr>
+      <p:sp>
+        <p:nvSpPr>
           <p:cNvPr id="2" name="슬라이드 번호 개체 틀 1">
             <a:extLst>
               <a:ext uri="{FF2B5EF4-FFF2-40B4-BE49-F238E27FC236}">
@@ -9168,7 +9577,7 @@
           <a:p>
             <a:fld id="{64F0D409-D3F6-4EEC-8C77-1F5E89989FFB}" type="slidenum">
               <a:rPr lang="ko-KR" altLang="en-US" smtClean="0"/>
-              <a:t>29</a:t>
+              <a:t>30</a:t>
             </a:fld>
             <a:endParaRPr lang="ko-KR" altLang="en-US"/>
           </a:p>
@@ -9219,7 +9628,7 @@
 </p:sld>
 </file>
 
-<file path=ppt/slides/slide3.xml><?xml version="1.0" encoding="utf-8"?>
+<file path=ppt/slides/slide31.xml><?xml version="1.0" encoding="utf-8"?>
 <p:sld xmlns:a="http://schemas.openxmlformats.org/drawingml/2006/main" xmlns:r="http://schemas.openxmlformats.org/officeDocument/2006/relationships" xmlns:p="http://schemas.openxmlformats.org/presentationml/2006/main">
   <p:cSld>
     <p:spTree>
@@ -9238,145 +9647,6 @@
       </p:grpSpPr>
       <p:sp>
         <p:nvSpPr>
-          <p:cNvPr id="2" name="제목 1">
-            <a:extLst>
-              <a:ext uri="{FF2B5EF4-FFF2-40B4-BE49-F238E27FC236}">
-                <a16:creationId xmlns:a16="http://schemas.microsoft.com/office/drawing/2014/main" id="{AD8D8AB6-92BB-4029-81E9-2EA137A67530}"/>
-              </a:ext>
-            </a:extLst>
-          </p:cNvPr>
-          <p:cNvSpPr>
-            <a:spLocks noGrp="1"/>
-          </p:cNvSpPr>
-          <p:nvPr>
-            <p:ph type="title"/>
-          </p:nvPr>
-        </p:nvSpPr>
-        <p:spPr/>
-        <p:txBody>
-          <a:bodyPr/>
-          <a:lstStyle/>
-          <a:p>
-            <a:r>
-              <a:rPr lang="ko-KR" altLang="en-US" dirty="0"/>
-              <a:t>시작 전에</a:t>
-            </a:r>
-            <a:r>
-              <a:rPr lang="en-US" altLang="ko-KR" dirty="0"/>
-              <a:t>…</a:t>
-            </a:r>
-            <a:endParaRPr lang="ko-KR" altLang="en-US" dirty="0"/>
-          </a:p>
-        </p:txBody>
-      </p:sp>
-      <p:sp>
-        <p:nvSpPr>
-          <p:cNvPr id="3" name="내용 개체 틀 2">
-            <a:extLst>
-              <a:ext uri="{FF2B5EF4-FFF2-40B4-BE49-F238E27FC236}">
-                <a16:creationId xmlns:a16="http://schemas.microsoft.com/office/drawing/2014/main" id="{A0B3D2E2-6AE5-4AE8-8582-8DAF24BFD3B0}"/>
-              </a:ext>
-            </a:extLst>
-          </p:cNvPr>
-          <p:cNvSpPr>
-            <a:spLocks noGrp="1"/>
-          </p:cNvSpPr>
-          <p:nvPr>
-            <p:ph idx="1"/>
-          </p:nvPr>
-        </p:nvSpPr>
-        <p:spPr/>
-        <p:txBody>
-          <a:bodyPr/>
-          <a:lstStyle/>
-          <a:p>
-            <a:r>
-              <a:rPr lang="en-US" altLang="ko-KR" dirty="0"/>
-              <a:t>Visual Studio 2019 Community </a:t>
-            </a:r>
-            <a:r>
-              <a:rPr lang="ko-KR" altLang="en-US" dirty="0"/>
-              <a:t>설치</a:t>
-            </a:r>
-            <a:endParaRPr lang="en-US" altLang="ko-KR" dirty="0"/>
-          </a:p>
-          <a:p>
-            <a:r>
-              <a:rPr lang="ko-KR" altLang="en-US" dirty="0"/>
-              <a:t>뒤 슬라이드 참고하여 </a:t>
-            </a:r>
-            <a:r>
-              <a:rPr lang="en-US" altLang="ko-KR" dirty="0"/>
-              <a:t>Cloning, Build </a:t>
-            </a:r>
-            <a:r>
-              <a:rPr lang="ko-KR" altLang="en-US" dirty="0"/>
-              <a:t>수행</a:t>
-            </a:r>
-          </a:p>
-        </p:txBody>
-      </p:sp>
-      <p:sp>
-        <p:nvSpPr>
-          <p:cNvPr id="4" name="슬라이드 번호 개체 틀 3">
-            <a:extLst>
-              <a:ext uri="{FF2B5EF4-FFF2-40B4-BE49-F238E27FC236}">
-                <a16:creationId xmlns:a16="http://schemas.microsoft.com/office/drawing/2014/main" id="{0DE8CBC8-0C27-4FF6-8543-DA508DB4A85A}"/>
-              </a:ext>
-            </a:extLst>
-          </p:cNvPr>
-          <p:cNvSpPr>
-            <a:spLocks noGrp="1"/>
-          </p:cNvSpPr>
-          <p:nvPr>
-            <p:ph type="sldNum" sz="quarter" idx="12"/>
-          </p:nvPr>
-        </p:nvSpPr>
-        <p:spPr/>
-        <p:txBody>
-          <a:bodyPr/>
-          <a:lstStyle/>
-          <a:p>
-            <a:fld id="{64F0D409-D3F6-4EEC-8C77-1F5E89989FFB}" type="slidenum">
-              <a:rPr lang="ko-KR" altLang="en-US" smtClean="0"/>
-              <a:t>3</a:t>
-            </a:fld>
-            <a:endParaRPr lang="ko-KR" altLang="en-US"/>
-          </a:p>
-        </p:txBody>
-      </p:sp>
-    </p:spTree>
-    <p:extLst>
-      <p:ext uri="{BB962C8B-B14F-4D97-AF65-F5344CB8AC3E}">
-        <p14:creationId xmlns:p14="http://schemas.microsoft.com/office/powerpoint/2010/main" val="2945952718"/>
-      </p:ext>
-    </p:extLst>
-  </p:cSld>
-  <p:clrMapOvr>
-    <a:masterClrMapping/>
-  </p:clrMapOvr>
-</p:sld>
-</file>
-
-<file path=ppt/slides/slide30.xml><?xml version="1.0" encoding="utf-8"?>
-<p:sld xmlns:a="http://schemas.openxmlformats.org/drawingml/2006/main" xmlns:r="http://schemas.openxmlformats.org/officeDocument/2006/relationships" xmlns:p="http://schemas.openxmlformats.org/presentationml/2006/main">
-  <p:cSld>
-    <p:spTree>
-      <p:nvGrpSpPr>
-        <p:cNvPr id="1" name=""/>
-        <p:cNvGrpSpPr/>
-        <p:nvPr/>
-      </p:nvGrpSpPr>
-      <p:grpSpPr>
-        <a:xfrm>
-          <a:off x="0" y="0"/>
-          <a:ext cx="0" cy="0"/>
-          <a:chOff x="0" y="0"/>
-          <a:chExt cx="0" cy="0"/>
-        </a:xfrm>
-      </p:grpSpPr>
-      <p:sp>
-        <p:nvSpPr>
           <p:cNvPr id="2" name="슬라이드 번호 개체 틀 1">
             <a:extLst>
               <a:ext uri="{FF2B5EF4-FFF2-40B4-BE49-F238E27FC236}">
@@ -9398,7 +9668,7 @@
           <a:p>
             <a:fld id="{64F0D409-D3F6-4EEC-8C77-1F5E89989FFB}" type="slidenum">
               <a:rPr lang="ko-KR" altLang="en-US" smtClean="0"/>
-              <a:t>30</a:t>
+              <a:t>31</a:t>
             </a:fld>
             <a:endParaRPr lang="ko-KR" altLang="en-US"/>
           </a:p>
@@ -9523,7 +9793,7 @@
 </p:sld>
 </file>
 
-<file path=ppt/slides/slide31.xml><?xml version="1.0" encoding="utf-8"?>
+<file path=ppt/slides/slide32.xml><?xml version="1.0" encoding="utf-8"?>
 <p:sld xmlns:a="http://schemas.openxmlformats.org/drawingml/2006/main" xmlns:r="http://schemas.openxmlformats.org/officeDocument/2006/relationships" xmlns:p="http://schemas.openxmlformats.org/presentationml/2006/main">
   <p:cSld>
     <p:spTree>
@@ -9563,7 +9833,7 @@
           <a:p>
             <a:fld id="{64F0D409-D3F6-4EEC-8C77-1F5E89989FFB}" type="slidenum">
               <a:rPr lang="ko-KR" altLang="en-US" smtClean="0"/>
-              <a:t>31</a:t>
+              <a:t>32</a:t>
             </a:fld>
             <a:endParaRPr lang="ko-KR" altLang="en-US"/>
           </a:p>
@@ -9614,7 +9884,7 @@
 </p:sld>
 </file>
 
-<file path=ppt/slides/slide32.xml><?xml version="1.0" encoding="utf-8"?>
+<file path=ppt/slides/slide33.xml><?xml version="1.0" encoding="utf-8"?>
 <p:sld xmlns:a="http://schemas.openxmlformats.org/drawingml/2006/main" xmlns:r="http://schemas.openxmlformats.org/officeDocument/2006/relationships" xmlns:p="http://schemas.openxmlformats.org/presentationml/2006/main">
   <p:cSld>
     <p:spTree>
@@ -9654,7 +9924,7 @@
           <a:p>
             <a:fld id="{64F0D409-D3F6-4EEC-8C77-1F5E89989FFB}" type="slidenum">
               <a:rPr lang="ko-KR" altLang="en-US" smtClean="0"/>
-              <a:t>32</a:t>
+              <a:t>33</a:t>
             </a:fld>
             <a:endParaRPr lang="ko-KR" altLang="en-US"/>
           </a:p>
@@ -9872,7 +10142,7 @@
 </p:sld>
 </file>
 
-<file path=ppt/slides/slide33.xml><?xml version="1.0" encoding="utf-8"?>
+<file path=ppt/slides/slide34.xml><?xml version="1.0" encoding="utf-8"?>
 <p:sld xmlns:a="http://schemas.openxmlformats.org/drawingml/2006/main" xmlns:r="http://schemas.openxmlformats.org/officeDocument/2006/relationships" xmlns:p="http://schemas.openxmlformats.org/presentationml/2006/main">
   <p:cSld>
     <p:spTree>
@@ -9993,7 +10263,7 @@
             <a:fld id="{64F0D409-D3F6-4EEC-8C77-1F5E89989FFB}" type="slidenum">
               <a:rPr lang="ko-KR" altLang="en-US" smtClean="0"/>
               <a:pPr/>
-              <a:t>33</a:t>
+              <a:t>34</a:t>
             </a:fld>
             <a:endParaRPr lang="ko-KR" altLang="en-US"/>
           </a:p>
@@ -10042,144 +10312,6 @@
 </p:sld>
 </file>
 
-<file path=ppt/slides/slide34.xml><?xml version="1.0" encoding="utf-8"?>
-<p:sld xmlns:a="http://schemas.openxmlformats.org/drawingml/2006/main" xmlns:r="http://schemas.openxmlformats.org/officeDocument/2006/relationships" xmlns:p="http://schemas.openxmlformats.org/presentationml/2006/main">
-  <p:cSld>
-    <p:spTree>
-      <p:nvGrpSpPr>
-        <p:cNvPr id="1" name=""/>
-        <p:cNvGrpSpPr/>
-        <p:nvPr/>
-      </p:nvGrpSpPr>
-      <p:grpSpPr>
-        <a:xfrm>
-          <a:off x="0" y="0"/>
-          <a:ext cx="0" cy="0"/>
-          <a:chOff x="0" y="0"/>
-          <a:chExt cx="0" cy="0"/>
-        </a:xfrm>
-      </p:grpSpPr>
-      <p:sp>
-        <p:nvSpPr>
-          <p:cNvPr id="4" name="제목 3">
-            <a:extLst>
-              <a:ext uri="{FF2B5EF4-FFF2-40B4-BE49-F238E27FC236}">
-                <a16:creationId xmlns:a16="http://schemas.microsoft.com/office/drawing/2014/main" id="{B62A126A-56A0-4B57-8A71-93597C509106}"/>
-              </a:ext>
-            </a:extLst>
-          </p:cNvPr>
-          <p:cNvSpPr>
-            <a:spLocks noGrp="1"/>
-          </p:cNvSpPr>
-          <p:nvPr>
-            <p:ph type="title"/>
-          </p:nvPr>
-        </p:nvSpPr>
-        <p:spPr/>
-        <p:txBody>
-          <a:bodyPr/>
-          <a:lstStyle/>
-          <a:p>
-            <a:r>
-              <a:rPr lang="ko-KR" altLang="en-US" dirty="0"/>
-              <a:t>두 번째 시도</a:t>
-            </a:r>
-          </a:p>
-        </p:txBody>
-      </p:sp>
-      <p:sp>
-        <p:nvSpPr>
-          <p:cNvPr id="5" name="내용 개체 틀 4">
-            <a:extLst>
-              <a:ext uri="{FF2B5EF4-FFF2-40B4-BE49-F238E27FC236}">
-                <a16:creationId xmlns:a16="http://schemas.microsoft.com/office/drawing/2014/main" id="{D5C9BBCF-FB17-4CAC-9893-4D8F608B403B}"/>
-              </a:ext>
-            </a:extLst>
-          </p:cNvPr>
-          <p:cNvSpPr>
-            <a:spLocks noGrp="1"/>
-          </p:cNvSpPr>
-          <p:nvPr>
-            <p:ph idx="1"/>
-          </p:nvPr>
-        </p:nvSpPr>
-        <p:spPr/>
-        <p:txBody>
-          <a:bodyPr/>
-          <a:lstStyle/>
-          <a:p>
-            <a:r>
-              <a:rPr lang="ko-KR" altLang="en-US" sz="2000" dirty="0"/>
-              <a:t>텍스트 형태로 존재할 수 밖에 없는 요소가 있으므로</a:t>
-            </a:r>
-            <a:r>
-              <a:rPr lang="en-US" altLang="ko-KR" sz="2000" dirty="0"/>
-              <a:t>,</a:t>
-            </a:r>
-          </a:p>
-          <a:p>
-            <a:r>
-              <a:rPr lang="ko-KR" altLang="en-US" sz="2000" dirty="0"/>
-              <a:t>수정해야 하는 코드 부분을 훨씬 쉽게 찾을 수 있음</a:t>
-            </a:r>
-            <a:endParaRPr lang="en-US" altLang="ko-KR" sz="2000" dirty="0"/>
-          </a:p>
-          <a:p>
-            <a:r>
-              <a:rPr lang="ko-KR" altLang="en-US" sz="2000" dirty="0"/>
-              <a:t>단순 문자열 검색 이용</a:t>
-            </a:r>
-            <a:endParaRPr lang="en-US" altLang="ko-KR" sz="1600" dirty="0"/>
-          </a:p>
-          <a:p>
-            <a:pPr lvl="1"/>
-            <a:endParaRPr lang="ko-KR" altLang="en-US" sz="1800" dirty="0"/>
-          </a:p>
-        </p:txBody>
-      </p:sp>
-      <p:sp>
-        <p:nvSpPr>
-          <p:cNvPr id="2" name="슬라이드 번호 개체 틀 1">
-            <a:extLst>
-              <a:ext uri="{FF2B5EF4-FFF2-40B4-BE49-F238E27FC236}">
-                <a16:creationId xmlns:a16="http://schemas.microsoft.com/office/drawing/2014/main" id="{901A7AAB-0C04-4912-AF72-62B8DBD83A7A}"/>
-              </a:ext>
-            </a:extLst>
-          </p:cNvPr>
-          <p:cNvSpPr>
-            <a:spLocks noGrp="1"/>
-          </p:cNvSpPr>
-          <p:nvPr>
-            <p:ph type="sldNum" sz="quarter" idx="12"/>
-          </p:nvPr>
-        </p:nvSpPr>
-        <p:spPr/>
-        <p:txBody>
-          <a:bodyPr/>
-          <a:lstStyle/>
-          <a:p>
-            <a:fld id="{64F0D409-D3F6-4EEC-8C77-1F5E89989FFB}" type="slidenum">
-              <a:rPr lang="ko-KR" altLang="en-US" smtClean="0"/>
-              <a:pPr/>
-              <a:t>34</a:t>
-            </a:fld>
-            <a:endParaRPr lang="ko-KR" altLang="en-US"/>
-          </a:p>
-        </p:txBody>
-      </p:sp>
-    </p:spTree>
-    <p:extLst>
-      <p:ext uri="{BB962C8B-B14F-4D97-AF65-F5344CB8AC3E}">
-        <p14:creationId xmlns:p14="http://schemas.microsoft.com/office/powerpoint/2010/main" val="2872557767"/>
-      </p:ext>
-    </p:extLst>
-  </p:cSld>
-  <p:clrMapOvr>
-    <a:masterClrMapping/>
-  </p:clrMapOvr>
-</p:sld>
-</file>
-
 <file path=ppt/slides/slide35.xml><?xml version="1.0" encoding="utf-8"?>
 <p:sld xmlns:a="http://schemas.openxmlformats.org/drawingml/2006/main" xmlns:r="http://schemas.openxmlformats.org/officeDocument/2006/relationships" xmlns:p="http://schemas.openxmlformats.org/presentationml/2006/main">
   <p:cSld>
@@ -10199,10 +10331,10 @@
       </p:grpSpPr>
       <p:sp>
         <p:nvSpPr>
-          <p:cNvPr id="2" name="제목 1">
+          <p:cNvPr id="4" name="제목 3">
             <a:extLst>
               <a:ext uri="{FF2B5EF4-FFF2-40B4-BE49-F238E27FC236}">
-                <a16:creationId xmlns:a16="http://schemas.microsoft.com/office/drawing/2014/main" id="{5954548F-E818-4A8A-BEFD-A9109462B47D}"/>
+                <a16:creationId xmlns:a16="http://schemas.microsoft.com/office/drawing/2014/main" id="{B62A126A-56A0-4B57-8A71-93597C509106}"/>
               </a:ext>
             </a:extLst>
           </p:cNvPr>
@@ -10219,62 +10351,68 @@
           <a:lstStyle/>
           <a:p>
             <a:r>
-              <a:rPr lang="en-US" altLang="ko-KR" dirty="0"/>
-              <a:t>VS </a:t>
-            </a:r>
-            <a:r>
-              <a:rPr lang="ko-KR" altLang="en-US" dirty="0"/>
-              <a:t>에서 </a:t>
-            </a:r>
-            <a:r>
-              <a:rPr lang="en-US" altLang="ko-KR" dirty="0"/>
-              <a:t>CTRL+F </a:t>
-            </a:r>
-            <a:r>
-              <a:rPr lang="ko-KR" altLang="en-US" dirty="0"/>
-              <a:t>문자열 검색 </a:t>
-            </a:r>
-          </a:p>
-        </p:txBody>
-      </p:sp>
-      <p:pic>
-        <p:nvPicPr>
+              <a:rPr lang="ko-KR" altLang="en-US" dirty="0"/>
+              <a:t>두 번째 시도</a:t>
+            </a:r>
+          </a:p>
+        </p:txBody>
+      </p:sp>
+      <p:sp>
+        <p:nvSpPr>
           <p:cNvPr id="5" name="내용 개체 틀 4">
             <a:extLst>
               <a:ext uri="{FF2B5EF4-FFF2-40B4-BE49-F238E27FC236}">
-                <a16:creationId xmlns:a16="http://schemas.microsoft.com/office/drawing/2014/main" id="{012333D2-EF81-4106-8F7F-C374ED170143}"/>
+                <a16:creationId xmlns:a16="http://schemas.microsoft.com/office/drawing/2014/main" id="{D5C9BBCF-FB17-4CAC-9893-4D8F608B403B}"/>
               </a:ext>
             </a:extLst>
           </p:cNvPr>
-          <p:cNvPicPr>
-            <a:picLocks noGrp="1" noChangeAspect="1"/>
-          </p:cNvPicPr>
+          <p:cNvSpPr>
+            <a:spLocks noGrp="1"/>
+          </p:cNvSpPr>
           <p:nvPr>
             <p:ph idx="1"/>
           </p:nvPr>
-        </p:nvPicPr>
-        <p:blipFill>
-          <a:blip r:embed="rId2"/>
-          <a:stretch>
-            <a:fillRect/>
-          </a:stretch>
-        </p:blipFill>
-        <p:spPr>
-          <a:xfrm>
-            <a:off x="1385391" y="1058863"/>
-            <a:ext cx="6373218" cy="5268912"/>
-          </a:xfrm>
-          <a:prstGeom prst="rect">
-            <a:avLst/>
-          </a:prstGeom>
-        </p:spPr>
-      </p:pic>
-      <p:sp>
-        <p:nvSpPr>
-          <p:cNvPr id="4" name="슬라이드 번호 개체 틀 3">
+        </p:nvSpPr>
+        <p:spPr/>
+        <p:txBody>
+          <a:bodyPr/>
+          <a:lstStyle/>
+          <a:p>
+            <a:r>
+              <a:rPr lang="ko-KR" altLang="en-US" sz="2000" dirty="0"/>
+              <a:t>텍스트 형태로 존재할 수 밖에 없는 요소가 있으므로</a:t>
+            </a:r>
+            <a:r>
+              <a:rPr lang="en-US" altLang="ko-KR" sz="2000" dirty="0"/>
+              <a:t>,</a:t>
+            </a:r>
+          </a:p>
+          <a:p>
+            <a:r>
+              <a:rPr lang="ko-KR" altLang="en-US" sz="2000" dirty="0"/>
+              <a:t>수정해야 하는 코드 부분을 훨씬 쉽게 찾을 수 있음</a:t>
+            </a:r>
+            <a:endParaRPr lang="en-US" altLang="ko-KR" sz="2000" dirty="0"/>
+          </a:p>
+          <a:p>
+            <a:r>
+              <a:rPr lang="ko-KR" altLang="en-US" sz="2000" dirty="0"/>
+              <a:t>단순 문자열 검색 이용</a:t>
+            </a:r>
+            <a:endParaRPr lang="en-US" altLang="ko-KR" sz="1600" dirty="0"/>
+          </a:p>
+          <a:p>
+            <a:pPr lvl="1"/>
+            <a:endParaRPr lang="ko-KR" altLang="en-US" sz="1800" dirty="0"/>
+          </a:p>
+        </p:txBody>
+      </p:sp>
+      <p:sp>
+        <p:nvSpPr>
+          <p:cNvPr id="2" name="슬라이드 번호 개체 틀 1">
             <a:extLst>
               <a:ext uri="{FF2B5EF4-FFF2-40B4-BE49-F238E27FC236}">
-                <a16:creationId xmlns:a16="http://schemas.microsoft.com/office/drawing/2014/main" id="{A407DF6F-936F-49AD-BE4E-83383C50C52C}"/>
+                <a16:creationId xmlns:a16="http://schemas.microsoft.com/office/drawing/2014/main" id="{901A7AAB-0C04-4912-AF72-62B8DBD83A7A}"/>
               </a:ext>
             </a:extLst>
           </p:cNvPr>
@@ -10292,6 +10430,7 @@
           <a:p>
             <a:fld id="{64F0D409-D3F6-4EEC-8C77-1F5E89989FFB}" type="slidenum">
               <a:rPr lang="ko-KR" altLang="en-US" smtClean="0"/>
+              <a:pPr/>
               <a:t>35</a:t>
             </a:fld>
             <a:endParaRPr lang="ko-KR" altLang="en-US"/>
@@ -10301,7 +10440,7 @@
     </p:spTree>
     <p:extLst>
       <p:ext uri="{BB962C8B-B14F-4D97-AF65-F5344CB8AC3E}">
-        <p14:creationId xmlns:p14="http://schemas.microsoft.com/office/powerpoint/2010/main" val="3321581491"/>
+        <p14:creationId xmlns:p14="http://schemas.microsoft.com/office/powerpoint/2010/main" val="2872557767"/>
       </p:ext>
     </p:extLst>
   </p:cSld>
@@ -10333,7 +10472,7 @@
           <p:cNvPr id="2" name="제목 1">
             <a:extLst>
               <a:ext uri="{FF2B5EF4-FFF2-40B4-BE49-F238E27FC236}">
-                <a16:creationId xmlns:a16="http://schemas.microsoft.com/office/drawing/2014/main" id="{FEFEBC8C-CE33-4F82-BEEF-154CFAFC08A4}"/>
+                <a16:creationId xmlns:a16="http://schemas.microsoft.com/office/drawing/2014/main" id="{5954548F-E818-4A8A-BEFD-A9109462B47D}"/>
               </a:ext>
             </a:extLst>
           </p:cNvPr>
@@ -10351,11 +10490,19 @@
           <a:p>
             <a:r>
               <a:rPr lang="en-US" altLang="ko-KR" dirty="0"/>
-              <a:t>GitHub </a:t>
-            </a:r>
-            <a:r>
-              <a:rPr lang="ko-KR" altLang="en-US" dirty="0"/>
-              <a:t>에서도 검색 가능함</a:t>
+              <a:t>VS </a:t>
+            </a:r>
+            <a:r>
+              <a:rPr lang="ko-KR" altLang="en-US" dirty="0"/>
+              <a:t>에서 </a:t>
+            </a:r>
+            <a:r>
+              <a:rPr lang="en-US" altLang="ko-KR" dirty="0"/>
+              <a:t>CTRL+F </a:t>
+            </a:r>
+            <a:r>
+              <a:rPr lang="ko-KR" altLang="en-US" dirty="0"/>
+              <a:t>문자열 검색 </a:t>
             </a:r>
           </a:p>
         </p:txBody>
@@ -10365,7 +10512,7 @@
           <p:cNvPr id="5" name="내용 개체 틀 4">
             <a:extLst>
               <a:ext uri="{FF2B5EF4-FFF2-40B4-BE49-F238E27FC236}">
-                <a16:creationId xmlns:a16="http://schemas.microsoft.com/office/drawing/2014/main" id="{6AA3A2C7-55BC-44E4-BF04-8899E63FB72B}"/>
+                <a16:creationId xmlns:a16="http://schemas.microsoft.com/office/drawing/2014/main" id="{012333D2-EF81-4106-8F7F-C374ED170143}"/>
               </a:ext>
             </a:extLst>
           </p:cNvPr>
@@ -10384,8 +10531,8 @@
         </p:blipFill>
         <p:spPr>
           <a:xfrm>
-            <a:off x="898604" y="1058863"/>
-            <a:ext cx="7346792" cy="5268912"/>
+            <a:off x="1385391" y="1058863"/>
+            <a:ext cx="6373218" cy="5268912"/>
           </a:xfrm>
           <a:prstGeom prst="rect">
             <a:avLst/>
@@ -10397,7 +10544,7 @@
           <p:cNvPr id="4" name="슬라이드 번호 개체 틀 3">
             <a:extLst>
               <a:ext uri="{FF2B5EF4-FFF2-40B4-BE49-F238E27FC236}">
-                <a16:creationId xmlns:a16="http://schemas.microsoft.com/office/drawing/2014/main" id="{48999FF0-3C9F-4AAA-ADBB-A3BCD081F859}"/>
+                <a16:creationId xmlns:a16="http://schemas.microsoft.com/office/drawing/2014/main" id="{A407DF6F-936F-49AD-BE4E-83383C50C52C}"/>
               </a:ext>
             </a:extLst>
           </p:cNvPr>
@@ -10424,7 +10571,7 @@
     </p:spTree>
     <p:extLst>
       <p:ext uri="{BB962C8B-B14F-4D97-AF65-F5344CB8AC3E}">
-        <p14:creationId xmlns:p14="http://schemas.microsoft.com/office/powerpoint/2010/main" val="3257234233"/>
+        <p14:creationId xmlns:p14="http://schemas.microsoft.com/office/powerpoint/2010/main" val="3321581491"/>
       </p:ext>
     </p:extLst>
   </p:cSld>
@@ -10456,6 +10603,129 @@
           <p:cNvPr id="2" name="제목 1">
             <a:extLst>
               <a:ext uri="{FF2B5EF4-FFF2-40B4-BE49-F238E27FC236}">
+                <a16:creationId xmlns:a16="http://schemas.microsoft.com/office/drawing/2014/main" id="{FEFEBC8C-CE33-4F82-BEEF-154CFAFC08A4}"/>
+              </a:ext>
+            </a:extLst>
+          </p:cNvPr>
+          <p:cNvSpPr>
+            <a:spLocks noGrp="1"/>
+          </p:cNvSpPr>
+          <p:nvPr>
+            <p:ph type="title"/>
+          </p:nvPr>
+        </p:nvSpPr>
+        <p:spPr/>
+        <p:txBody>
+          <a:bodyPr/>
+          <a:lstStyle/>
+          <a:p>
+            <a:r>
+              <a:rPr lang="en-US" altLang="ko-KR" dirty="0"/>
+              <a:t>GitHub </a:t>
+            </a:r>
+            <a:r>
+              <a:rPr lang="ko-KR" altLang="en-US" dirty="0"/>
+              <a:t>에서도 검색 가능함</a:t>
+            </a:r>
+          </a:p>
+        </p:txBody>
+      </p:sp>
+      <p:pic>
+        <p:nvPicPr>
+          <p:cNvPr id="5" name="내용 개체 틀 4">
+            <a:extLst>
+              <a:ext uri="{FF2B5EF4-FFF2-40B4-BE49-F238E27FC236}">
+                <a16:creationId xmlns:a16="http://schemas.microsoft.com/office/drawing/2014/main" id="{6AA3A2C7-55BC-44E4-BF04-8899E63FB72B}"/>
+              </a:ext>
+            </a:extLst>
+          </p:cNvPr>
+          <p:cNvPicPr>
+            <a:picLocks noGrp="1" noChangeAspect="1"/>
+          </p:cNvPicPr>
+          <p:nvPr>
+            <p:ph idx="1"/>
+          </p:nvPr>
+        </p:nvPicPr>
+        <p:blipFill>
+          <a:blip r:embed="rId2"/>
+          <a:stretch>
+            <a:fillRect/>
+          </a:stretch>
+        </p:blipFill>
+        <p:spPr>
+          <a:xfrm>
+            <a:off x="898604" y="1058863"/>
+            <a:ext cx="7346792" cy="5268912"/>
+          </a:xfrm>
+          <a:prstGeom prst="rect">
+            <a:avLst/>
+          </a:prstGeom>
+        </p:spPr>
+      </p:pic>
+      <p:sp>
+        <p:nvSpPr>
+          <p:cNvPr id="4" name="슬라이드 번호 개체 틀 3">
+            <a:extLst>
+              <a:ext uri="{FF2B5EF4-FFF2-40B4-BE49-F238E27FC236}">
+                <a16:creationId xmlns:a16="http://schemas.microsoft.com/office/drawing/2014/main" id="{48999FF0-3C9F-4AAA-ADBB-A3BCD081F859}"/>
+              </a:ext>
+            </a:extLst>
+          </p:cNvPr>
+          <p:cNvSpPr>
+            <a:spLocks noGrp="1"/>
+          </p:cNvSpPr>
+          <p:nvPr>
+            <p:ph type="sldNum" sz="quarter" idx="12"/>
+          </p:nvPr>
+        </p:nvSpPr>
+        <p:spPr/>
+        <p:txBody>
+          <a:bodyPr/>
+          <a:lstStyle/>
+          <a:p>
+            <a:fld id="{64F0D409-D3F6-4EEC-8C77-1F5E89989FFB}" type="slidenum">
+              <a:rPr lang="ko-KR" altLang="en-US" smtClean="0"/>
+              <a:t>37</a:t>
+            </a:fld>
+            <a:endParaRPr lang="ko-KR" altLang="en-US"/>
+          </a:p>
+        </p:txBody>
+      </p:sp>
+    </p:spTree>
+    <p:extLst>
+      <p:ext uri="{BB962C8B-B14F-4D97-AF65-F5344CB8AC3E}">
+        <p14:creationId xmlns:p14="http://schemas.microsoft.com/office/powerpoint/2010/main" val="3257234233"/>
+      </p:ext>
+    </p:extLst>
+  </p:cSld>
+  <p:clrMapOvr>
+    <a:masterClrMapping/>
+  </p:clrMapOvr>
+</p:sld>
+</file>
+
+<file path=ppt/slides/slide38.xml><?xml version="1.0" encoding="utf-8"?>
+<p:sld xmlns:a="http://schemas.openxmlformats.org/drawingml/2006/main" xmlns:r="http://schemas.openxmlformats.org/officeDocument/2006/relationships" xmlns:p="http://schemas.openxmlformats.org/presentationml/2006/main">
+  <p:cSld>
+    <p:spTree>
+      <p:nvGrpSpPr>
+        <p:cNvPr id="1" name=""/>
+        <p:cNvGrpSpPr/>
+        <p:nvPr/>
+      </p:nvGrpSpPr>
+      <p:grpSpPr>
+        <a:xfrm>
+          <a:off x="0" y="0"/>
+          <a:ext cx="0" cy="0"/>
+          <a:chOff x="0" y="0"/>
+          <a:chExt cx="0" cy="0"/>
+        </a:xfrm>
+      </p:grpSpPr>
+      <p:sp>
+        <p:nvSpPr>
+          <p:cNvPr id="2" name="제목 1">
+            <a:extLst>
+              <a:ext uri="{FF2B5EF4-FFF2-40B4-BE49-F238E27FC236}">
                 <a16:creationId xmlns:a16="http://schemas.microsoft.com/office/drawing/2014/main" id="{DFDC9A4A-5A39-42AE-BB47-FFD3E8FD5F48}"/>
               </a:ext>
             </a:extLst>
@@ -10499,7 +10769,7 @@
           <a:p>
             <a:fld id="{64F0D409-D3F6-4EEC-8C77-1F5E89989FFB}" type="slidenum">
               <a:rPr lang="ko-KR" altLang="en-US" smtClean="0"/>
-              <a:t>37</a:t>
+              <a:t>38</a:t>
             </a:fld>
             <a:endParaRPr lang="ko-KR" altLang="en-US"/>
           </a:p>
@@ -10550,7 +10820,7 @@
 </p:sld>
 </file>
 
-<file path=ppt/slides/slide38.xml><?xml version="1.0" encoding="utf-8"?>
+<file path=ppt/slides/slide39.xml><?xml version="1.0" encoding="utf-8"?>
 <p:sld xmlns:a="http://schemas.openxmlformats.org/drawingml/2006/main" xmlns:r="http://schemas.openxmlformats.org/officeDocument/2006/relationships" xmlns:p="http://schemas.openxmlformats.org/presentationml/2006/main">
   <p:cSld>
     <p:spTree>
@@ -10681,7 +10951,7 @@
           <a:p>
             <a:fld id="{64F0D409-D3F6-4EEC-8C77-1F5E89989FFB}" type="slidenum">
               <a:rPr lang="ko-KR" altLang="en-US" smtClean="0"/>
-              <a:t>38</a:t>
+              <a:t>39</a:t>
             </a:fld>
             <a:endParaRPr lang="ko-KR" altLang="en-US"/>
           </a:p>
@@ -10691,139 +10961,6 @@
     <p:extLst>
       <p:ext uri="{BB962C8B-B14F-4D97-AF65-F5344CB8AC3E}">
         <p14:creationId xmlns:p14="http://schemas.microsoft.com/office/powerpoint/2010/main" val="2881686040"/>
-      </p:ext>
-    </p:extLst>
-  </p:cSld>
-  <p:clrMapOvr>
-    <a:masterClrMapping/>
-  </p:clrMapOvr>
-</p:sld>
-</file>
-
-<file path=ppt/slides/slide39.xml><?xml version="1.0" encoding="utf-8"?>
-<p:sld xmlns:a="http://schemas.openxmlformats.org/drawingml/2006/main" xmlns:r="http://schemas.openxmlformats.org/officeDocument/2006/relationships" xmlns:p="http://schemas.openxmlformats.org/presentationml/2006/main">
-  <p:cSld>
-    <p:spTree>
-      <p:nvGrpSpPr>
-        <p:cNvPr id="1" name=""/>
-        <p:cNvGrpSpPr/>
-        <p:nvPr/>
-      </p:nvGrpSpPr>
-      <p:grpSpPr>
-        <a:xfrm>
-          <a:off x="0" y="0"/>
-          <a:ext cx="0" cy="0"/>
-          <a:chOff x="0" y="0"/>
-          <a:chExt cx="0" cy="0"/>
-        </a:xfrm>
-      </p:grpSpPr>
-      <p:sp>
-        <p:nvSpPr>
-          <p:cNvPr id="2" name="제목 1">
-            <a:extLst>
-              <a:ext uri="{FF2B5EF4-FFF2-40B4-BE49-F238E27FC236}">
-                <a16:creationId xmlns:a16="http://schemas.microsoft.com/office/drawing/2014/main" id="{2C01EBD6-D7A6-4879-A3D9-53ABFCDD997A}"/>
-              </a:ext>
-            </a:extLst>
-          </p:cNvPr>
-          <p:cNvSpPr>
-            <a:spLocks noGrp="1"/>
-          </p:cNvSpPr>
-          <p:nvPr>
-            <p:ph type="title"/>
-          </p:nvPr>
-        </p:nvSpPr>
-        <p:spPr/>
-        <p:txBody>
-          <a:bodyPr>
-            <a:normAutofit fontScale="90000"/>
-          </a:bodyPr>
-          <a:lstStyle/>
-          <a:p>
-            <a:r>
-              <a:rPr lang="en-US" altLang="ko-KR" dirty="0"/>
-              <a:t>Data name </a:t>
-            </a:r>
-            <a:r>
-              <a:rPr lang="ko-KR" altLang="en-US" dirty="0"/>
-              <a:t>을 검색하여</a:t>
-            </a:r>
-            <a:r>
-              <a:rPr lang="en-US" altLang="ko-KR" dirty="0"/>
-              <a:t>, </a:t>
-            </a:r>
-            <a:r>
-              <a:rPr lang="ko-KR" altLang="en-US" dirty="0"/>
-              <a:t>참조하는 코드로 이동</a:t>
-            </a:r>
-          </a:p>
-        </p:txBody>
-      </p:sp>
-      <p:pic>
-        <p:nvPicPr>
-          <p:cNvPr id="5" name="내용 개체 틀 4">
-            <a:extLst>
-              <a:ext uri="{FF2B5EF4-FFF2-40B4-BE49-F238E27FC236}">
-                <a16:creationId xmlns:a16="http://schemas.microsoft.com/office/drawing/2014/main" id="{A3E156B7-2EAA-4EBE-8E38-1E21104801EC}"/>
-              </a:ext>
-            </a:extLst>
-          </p:cNvPr>
-          <p:cNvPicPr>
-            <a:picLocks noGrp="1" noChangeAspect="1"/>
-          </p:cNvPicPr>
-          <p:nvPr>
-            <p:ph idx="1"/>
-          </p:nvPr>
-        </p:nvPicPr>
-        <p:blipFill>
-          <a:blip r:embed="rId2"/>
-          <a:stretch>
-            <a:fillRect/>
-          </a:stretch>
-        </p:blipFill>
-        <p:spPr>
-          <a:xfrm>
-            <a:off x="395288" y="1162249"/>
-            <a:ext cx="8353425" cy="5062139"/>
-          </a:xfrm>
-          <a:prstGeom prst="rect">
-            <a:avLst/>
-          </a:prstGeom>
-        </p:spPr>
-      </p:pic>
-      <p:sp>
-        <p:nvSpPr>
-          <p:cNvPr id="4" name="슬라이드 번호 개체 틀 3">
-            <a:extLst>
-              <a:ext uri="{FF2B5EF4-FFF2-40B4-BE49-F238E27FC236}">
-                <a16:creationId xmlns:a16="http://schemas.microsoft.com/office/drawing/2014/main" id="{AA5567AC-A1CD-4059-B50C-57C887B0880E}"/>
-              </a:ext>
-            </a:extLst>
-          </p:cNvPr>
-          <p:cNvSpPr>
-            <a:spLocks noGrp="1"/>
-          </p:cNvSpPr>
-          <p:nvPr>
-            <p:ph type="sldNum" sz="quarter" idx="12"/>
-          </p:nvPr>
-        </p:nvSpPr>
-        <p:spPr/>
-        <p:txBody>
-          <a:bodyPr/>
-          <a:lstStyle/>
-          <a:p>
-            <a:fld id="{64F0D409-D3F6-4EEC-8C77-1F5E89989FFB}" type="slidenum">
-              <a:rPr lang="ko-KR" altLang="en-US" smtClean="0"/>
-              <a:t>39</a:t>
-            </a:fld>
-            <a:endParaRPr lang="ko-KR" altLang="en-US"/>
-          </a:p>
-        </p:txBody>
-      </p:sp>
-    </p:spTree>
-    <p:extLst>
-      <p:ext uri="{BB962C8B-B14F-4D97-AF65-F5344CB8AC3E}">
-        <p14:creationId xmlns:p14="http://schemas.microsoft.com/office/powerpoint/2010/main" val="2775968607"/>
       </p:ext>
     </p:extLst>
   </p:cSld>
@@ -11061,7 +11198,7 @@
           <p:cNvPr id="2" name="제목 1">
             <a:extLst>
               <a:ext uri="{FF2B5EF4-FFF2-40B4-BE49-F238E27FC236}">
-                <a16:creationId xmlns:a16="http://schemas.microsoft.com/office/drawing/2014/main" id="{D008965B-3D5A-4373-9050-33D772EE06B5}"/>
+                <a16:creationId xmlns:a16="http://schemas.microsoft.com/office/drawing/2014/main" id="{2C01EBD6-D7A6-4879-A3D9-53ABFCDD997A}"/>
               </a:ext>
             </a:extLst>
           </p:cNvPr>
@@ -11074,12 +11211,18 @@
         </p:nvSpPr>
         <p:spPr/>
         <p:txBody>
-          <a:bodyPr/>
-          <a:lstStyle/>
-          <a:p>
-            <a:r>
-              <a:rPr lang="ko-KR" altLang="en-US" dirty="0"/>
-              <a:t>마찬가지로 주석 처리하고</a:t>
+          <a:bodyPr>
+            <a:normAutofit fontScale="90000"/>
+          </a:bodyPr>
+          <a:lstStyle/>
+          <a:p>
+            <a:r>
+              <a:rPr lang="en-US" altLang="ko-KR" dirty="0"/>
+              <a:t>Data name </a:t>
+            </a:r>
+            <a:r>
+              <a:rPr lang="ko-KR" altLang="en-US" dirty="0"/>
+              <a:t>을 검색하여</a:t>
             </a:r>
             <a:r>
               <a:rPr lang="en-US" altLang="ko-KR" dirty="0"/>
@@ -11087,7 +11230,7 @@
             </a:r>
             <a:r>
               <a:rPr lang="ko-KR" altLang="en-US" dirty="0"/>
-              <a:t>링크 수정</a:t>
+              <a:t>참조하는 코드로 이동</a:t>
             </a:r>
           </a:p>
         </p:txBody>
@@ -11097,7 +11240,7 @@
           <p:cNvPr id="5" name="내용 개체 틀 4">
             <a:extLst>
               <a:ext uri="{FF2B5EF4-FFF2-40B4-BE49-F238E27FC236}">
-                <a16:creationId xmlns:a16="http://schemas.microsoft.com/office/drawing/2014/main" id="{59A2F8CF-D086-4156-B590-38EF3F7F8F5A}"/>
+                <a16:creationId xmlns:a16="http://schemas.microsoft.com/office/drawing/2014/main" id="{A3E156B7-2EAA-4EBE-8E38-1E21104801EC}"/>
               </a:ext>
             </a:extLst>
           </p:cNvPr>
@@ -11116,8 +11259,8 @@
         </p:blipFill>
         <p:spPr>
           <a:xfrm>
-            <a:off x="544364" y="1058863"/>
-            <a:ext cx="8055272" cy="5268912"/>
+            <a:off x="395288" y="1162249"/>
+            <a:ext cx="8353425" cy="5062139"/>
           </a:xfrm>
           <a:prstGeom prst="rect">
             <a:avLst/>
@@ -11129,7 +11272,7 @@
           <p:cNvPr id="4" name="슬라이드 번호 개체 틀 3">
             <a:extLst>
               <a:ext uri="{FF2B5EF4-FFF2-40B4-BE49-F238E27FC236}">
-                <a16:creationId xmlns:a16="http://schemas.microsoft.com/office/drawing/2014/main" id="{51D21045-41E3-44ED-8D0F-2D53A5CFBBC9}"/>
+                <a16:creationId xmlns:a16="http://schemas.microsoft.com/office/drawing/2014/main" id="{AA5567AC-A1CD-4059-B50C-57C887B0880E}"/>
               </a:ext>
             </a:extLst>
           </p:cNvPr>
@@ -11156,7 +11299,7 @@
     </p:spTree>
     <p:extLst>
       <p:ext uri="{BB962C8B-B14F-4D97-AF65-F5344CB8AC3E}">
-        <p14:creationId xmlns:p14="http://schemas.microsoft.com/office/powerpoint/2010/main" val="1034063795"/>
+        <p14:creationId xmlns:p14="http://schemas.microsoft.com/office/powerpoint/2010/main" val="2775968607"/>
       </p:ext>
     </p:extLst>
   </p:cSld>
@@ -11188,7 +11331,7 @@
           <p:cNvPr id="2" name="제목 1">
             <a:extLst>
               <a:ext uri="{FF2B5EF4-FFF2-40B4-BE49-F238E27FC236}">
-                <a16:creationId xmlns:a16="http://schemas.microsoft.com/office/drawing/2014/main" id="{5119CB2B-C163-4660-B17D-8FEDC92CA9E6}"/>
+                <a16:creationId xmlns:a16="http://schemas.microsoft.com/office/drawing/2014/main" id="{D008965B-3D5A-4373-9050-33D772EE06B5}"/>
               </a:ext>
             </a:extLst>
           </p:cNvPr>
@@ -11206,7 +11349,7 @@
           <a:p>
             <a:r>
               <a:rPr lang="ko-KR" altLang="en-US" dirty="0"/>
-              <a:t>다시 빌드 후</a:t>
+              <a:t>마찬가지로 주석 처리하고</a:t>
             </a:r>
             <a:r>
               <a:rPr lang="en-US" altLang="ko-KR" dirty="0"/>
@@ -11214,7 +11357,7 @@
             </a:r>
             <a:r>
               <a:rPr lang="ko-KR" altLang="en-US" dirty="0"/>
-              <a:t>확인</a:t>
+              <a:t>링크 수정</a:t>
             </a:r>
           </a:p>
         </p:txBody>
@@ -11224,7 +11367,7 @@
           <p:cNvPr id="5" name="내용 개체 틀 4">
             <a:extLst>
               <a:ext uri="{FF2B5EF4-FFF2-40B4-BE49-F238E27FC236}">
-                <a16:creationId xmlns:a16="http://schemas.microsoft.com/office/drawing/2014/main" id="{11E1270F-FA97-4330-B592-29239D11963E}"/>
+                <a16:creationId xmlns:a16="http://schemas.microsoft.com/office/drawing/2014/main" id="{59A2F8CF-D086-4156-B590-38EF3F7F8F5A}"/>
               </a:ext>
             </a:extLst>
           </p:cNvPr>
@@ -11243,8 +11386,8 @@
         </p:blipFill>
         <p:spPr>
           <a:xfrm>
-            <a:off x="89062" y="1647826"/>
-            <a:ext cx="8965878" cy="4090986"/>
+            <a:off x="544364" y="1058863"/>
+            <a:ext cx="8055272" cy="5268912"/>
           </a:xfrm>
           <a:prstGeom prst="rect">
             <a:avLst/>
@@ -11256,7 +11399,7 @@
           <p:cNvPr id="4" name="슬라이드 번호 개체 틀 3">
             <a:extLst>
               <a:ext uri="{FF2B5EF4-FFF2-40B4-BE49-F238E27FC236}">
-                <a16:creationId xmlns:a16="http://schemas.microsoft.com/office/drawing/2014/main" id="{1C058902-D12A-45AA-B2D2-7F6438547C05}"/>
+                <a16:creationId xmlns:a16="http://schemas.microsoft.com/office/drawing/2014/main" id="{51D21045-41E3-44ED-8D0F-2D53A5CFBBC9}"/>
               </a:ext>
             </a:extLst>
           </p:cNvPr>
@@ -11283,7 +11426,7 @@
     </p:spTree>
     <p:extLst>
       <p:ext uri="{BB962C8B-B14F-4D97-AF65-F5344CB8AC3E}">
-        <p14:creationId xmlns:p14="http://schemas.microsoft.com/office/powerpoint/2010/main" val="3115187611"/>
+        <p14:creationId xmlns:p14="http://schemas.microsoft.com/office/powerpoint/2010/main" val="1034063795"/>
       </p:ext>
     </p:extLst>
   </p:cSld>
@@ -11312,6 +11455,133 @@
       </p:grpSpPr>
       <p:sp>
         <p:nvSpPr>
+          <p:cNvPr id="2" name="제목 1">
+            <a:extLst>
+              <a:ext uri="{FF2B5EF4-FFF2-40B4-BE49-F238E27FC236}">
+                <a16:creationId xmlns:a16="http://schemas.microsoft.com/office/drawing/2014/main" id="{5119CB2B-C163-4660-B17D-8FEDC92CA9E6}"/>
+              </a:ext>
+            </a:extLst>
+          </p:cNvPr>
+          <p:cNvSpPr>
+            <a:spLocks noGrp="1"/>
+          </p:cNvSpPr>
+          <p:nvPr>
+            <p:ph type="title"/>
+          </p:nvPr>
+        </p:nvSpPr>
+        <p:spPr/>
+        <p:txBody>
+          <a:bodyPr/>
+          <a:lstStyle/>
+          <a:p>
+            <a:r>
+              <a:rPr lang="ko-KR" altLang="en-US" dirty="0"/>
+              <a:t>다시 빌드 후</a:t>
+            </a:r>
+            <a:r>
+              <a:rPr lang="en-US" altLang="ko-KR" dirty="0"/>
+              <a:t>, </a:t>
+            </a:r>
+            <a:r>
+              <a:rPr lang="ko-KR" altLang="en-US" dirty="0"/>
+              <a:t>확인</a:t>
+            </a:r>
+          </a:p>
+        </p:txBody>
+      </p:sp>
+      <p:pic>
+        <p:nvPicPr>
+          <p:cNvPr id="5" name="내용 개체 틀 4">
+            <a:extLst>
+              <a:ext uri="{FF2B5EF4-FFF2-40B4-BE49-F238E27FC236}">
+                <a16:creationId xmlns:a16="http://schemas.microsoft.com/office/drawing/2014/main" id="{11E1270F-FA97-4330-B592-29239D11963E}"/>
+              </a:ext>
+            </a:extLst>
+          </p:cNvPr>
+          <p:cNvPicPr>
+            <a:picLocks noGrp="1" noChangeAspect="1"/>
+          </p:cNvPicPr>
+          <p:nvPr>
+            <p:ph idx="1"/>
+          </p:nvPr>
+        </p:nvPicPr>
+        <p:blipFill>
+          <a:blip r:embed="rId2"/>
+          <a:stretch>
+            <a:fillRect/>
+          </a:stretch>
+        </p:blipFill>
+        <p:spPr>
+          <a:xfrm>
+            <a:off x="89062" y="1647826"/>
+            <a:ext cx="8965878" cy="4090986"/>
+          </a:xfrm>
+          <a:prstGeom prst="rect">
+            <a:avLst/>
+          </a:prstGeom>
+        </p:spPr>
+      </p:pic>
+      <p:sp>
+        <p:nvSpPr>
+          <p:cNvPr id="4" name="슬라이드 번호 개체 틀 3">
+            <a:extLst>
+              <a:ext uri="{FF2B5EF4-FFF2-40B4-BE49-F238E27FC236}">
+                <a16:creationId xmlns:a16="http://schemas.microsoft.com/office/drawing/2014/main" id="{1C058902-D12A-45AA-B2D2-7F6438547C05}"/>
+              </a:ext>
+            </a:extLst>
+          </p:cNvPr>
+          <p:cNvSpPr>
+            <a:spLocks noGrp="1"/>
+          </p:cNvSpPr>
+          <p:nvPr>
+            <p:ph type="sldNum" sz="quarter" idx="12"/>
+          </p:nvPr>
+        </p:nvSpPr>
+        <p:spPr/>
+        <p:txBody>
+          <a:bodyPr/>
+          <a:lstStyle/>
+          <a:p>
+            <a:fld id="{64F0D409-D3F6-4EEC-8C77-1F5E89989FFB}" type="slidenum">
+              <a:rPr lang="ko-KR" altLang="en-US" smtClean="0"/>
+              <a:t>42</a:t>
+            </a:fld>
+            <a:endParaRPr lang="ko-KR" altLang="en-US"/>
+          </a:p>
+        </p:txBody>
+      </p:sp>
+    </p:spTree>
+    <p:extLst>
+      <p:ext uri="{BB962C8B-B14F-4D97-AF65-F5344CB8AC3E}">
+        <p14:creationId xmlns:p14="http://schemas.microsoft.com/office/powerpoint/2010/main" val="3115187611"/>
+      </p:ext>
+    </p:extLst>
+  </p:cSld>
+  <p:clrMapOvr>
+    <a:masterClrMapping/>
+  </p:clrMapOvr>
+</p:sld>
+</file>
+
+<file path=ppt/slides/slide43.xml><?xml version="1.0" encoding="utf-8"?>
+<p:sld xmlns:a="http://schemas.openxmlformats.org/drawingml/2006/main" xmlns:r="http://schemas.openxmlformats.org/officeDocument/2006/relationships" xmlns:p="http://schemas.openxmlformats.org/presentationml/2006/main">
+  <p:cSld>
+    <p:spTree>
+      <p:nvGrpSpPr>
+        <p:cNvPr id="1" name=""/>
+        <p:cNvGrpSpPr/>
+        <p:nvPr/>
+      </p:nvGrpSpPr>
+      <p:grpSpPr>
+        <a:xfrm>
+          <a:off x="0" y="0"/>
+          <a:ext cx="0" cy="0"/>
+          <a:chOff x="0" y="0"/>
+          <a:chExt cx="0" cy="0"/>
+        </a:xfrm>
+      </p:grpSpPr>
+      <p:sp>
+        <p:nvSpPr>
           <p:cNvPr id="2" name="제목 1"/>
           <p:cNvSpPr>
             <a:spLocks noGrp="1"/>
@@ -11550,7 +11820,7 @@
             <a:fld id="{64F0D409-D3F6-4EEC-8C77-1F5E89989FFB}" type="slidenum">
               <a:rPr lang="ko-KR" altLang="en-US" smtClean="0"/>
               <a:pPr/>
-              <a:t>42</a:t>
+              <a:t>43</a:t>
             </a:fld>
             <a:endParaRPr lang="ko-KR" altLang="en-US"/>
           </a:p>
